--- a/2-Integrations/Watson Assistant Lab 2 - Chatbot Integrations.pptx
+++ b/2-Integrations/Watson Assistant Lab 2 - Chatbot Integrations.pptx
@@ -5,21 +5,20 @@
     <p:sldMasterId id="2147483652" r:id="rId1"/>
   </p:sldMasterIdLst>
   <p:notesMasterIdLst>
-    <p:notesMasterId r:id="rId11"/>
+    <p:notesMasterId r:id="rId10"/>
   </p:notesMasterIdLst>
   <p:handoutMasterIdLst>
-    <p:handoutMasterId r:id="rId12"/>
+    <p:handoutMasterId r:id="rId11"/>
   </p:handoutMasterIdLst>
   <p:sldIdLst>
     <p:sldId id="406" r:id="rId2"/>
     <p:sldId id="410" r:id="rId3"/>
     <p:sldId id="419" r:id="rId4"/>
-    <p:sldId id="411" r:id="rId5"/>
-    <p:sldId id="420" r:id="rId6"/>
-    <p:sldId id="412" r:id="rId7"/>
-    <p:sldId id="413" r:id="rId8"/>
-    <p:sldId id="417" r:id="rId9"/>
-    <p:sldId id="418" r:id="rId10"/>
+    <p:sldId id="420" r:id="rId5"/>
+    <p:sldId id="412" r:id="rId6"/>
+    <p:sldId id="413" r:id="rId7"/>
+    <p:sldId id="417" r:id="rId8"/>
+    <p:sldId id="418" r:id="rId9"/>
   </p:sldIdLst>
   <p:sldSz cx="9144000" cy="5143500" type="screen16x9"/>
   <p:notesSz cx="6858000" cy="9144000"/>
@@ -265,7 +264,7 @@
             <a:fld id="{B39099E1-2F6C-1143-9DF8-8ECBCD01D041}" type="datetimeFigureOut">
               <a:rPr lang="en-US" smtClean="0"/>
               <a:pPr/>
-              <a:t>1/7/19</a:t>
+              <a:t>11/20/19</a:t>
             </a:fld>
             <a:endParaRPr lang="en-US"/>
           </a:p>
@@ -1152,7 +1151,7 @@
     </p:spTree>
     <p:extLst>
       <p:ext uri="{BB962C8B-B14F-4D97-AF65-F5344CB8AC3E}">
-        <p14:creationId xmlns:p14="http://schemas.microsoft.com/office/powerpoint/2010/main" val="3474162752"/>
+        <p14:creationId xmlns:p14="http://schemas.microsoft.com/office/powerpoint/2010/main" val="464205220"/>
       </p:ext>
     </p:extLst>
   </p:cSld>
@@ -1237,7 +1236,7 @@
     </p:spTree>
     <p:extLst>
       <p:ext uri="{BB962C8B-B14F-4D97-AF65-F5344CB8AC3E}">
-        <p14:creationId xmlns:p14="http://schemas.microsoft.com/office/powerpoint/2010/main" val="464205220"/>
+        <p14:creationId xmlns:p14="http://schemas.microsoft.com/office/powerpoint/2010/main" val="1236602698"/>
       </p:ext>
     </p:extLst>
   </p:cSld>
@@ -1322,7 +1321,7 @@
     </p:spTree>
     <p:extLst>
       <p:ext uri="{BB962C8B-B14F-4D97-AF65-F5344CB8AC3E}">
-        <p14:creationId xmlns:p14="http://schemas.microsoft.com/office/powerpoint/2010/main" val="1236602698"/>
+        <p14:creationId xmlns:p14="http://schemas.microsoft.com/office/powerpoint/2010/main" val="3675969481"/>
       </p:ext>
     </p:extLst>
   </p:cSld>
@@ -1407,7 +1406,7 @@
     </p:spTree>
     <p:extLst>
       <p:ext uri="{BB962C8B-B14F-4D97-AF65-F5344CB8AC3E}">
-        <p14:creationId xmlns:p14="http://schemas.microsoft.com/office/powerpoint/2010/main" val="3675969481"/>
+        <p14:creationId xmlns:p14="http://schemas.microsoft.com/office/powerpoint/2010/main" val="387644878"/>
       </p:ext>
     </p:extLst>
   </p:cSld>
@@ -1484,91 +1483,6 @@
               <a:rPr lang="en-US" smtClean="0"/>
               <a:pPr/>
               <a:t>8</a:t>
-            </a:fld>
-            <a:endParaRPr lang="en-US"/>
-          </a:p>
-        </p:txBody>
-      </p:sp>
-    </p:spTree>
-    <p:extLst>
-      <p:ext uri="{BB962C8B-B14F-4D97-AF65-F5344CB8AC3E}">
-        <p14:creationId xmlns:p14="http://schemas.microsoft.com/office/powerpoint/2010/main" val="387644878"/>
-      </p:ext>
-    </p:extLst>
-  </p:cSld>
-  <p:clrMapOvr>
-    <a:masterClrMapping/>
-  </p:clrMapOvr>
-</p:notes>
-</file>
-
-<file path=ppt/notesSlides/notesSlide9.xml><?xml version="1.0" encoding="utf-8"?>
-<p:notes xmlns:a="http://schemas.openxmlformats.org/drawingml/2006/main" xmlns:r="http://schemas.openxmlformats.org/officeDocument/2006/relationships" xmlns:p="http://schemas.openxmlformats.org/presentationml/2006/main">
-  <p:cSld>
-    <p:spTree>
-      <p:nvGrpSpPr>
-        <p:cNvPr id="1" name=""/>
-        <p:cNvGrpSpPr/>
-        <p:nvPr/>
-      </p:nvGrpSpPr>
-      <p:grpSpPr>
-        <a:xfrm>
-          <a:off x="0" y="0"/>
-          <a:ext cx="0" cy="0"/>
-          <a:chOff x="0" y="0"/>
-          <a:chExt cx="0" cy="0"/>
-        </a:xfrm>
-      </p:grpSpPr>
-      <p:sp>
-        <p:nvSpPr>
-          <p:cNvPr id="2" name="Slide Image Placeholder 1"/>
-          <p:cNvSpPr>
-            <a:spLocks noGrp="1" noRot="1" noChangeAspect="1"/>
-          </p:cNvSpPr>
-          <p:nvPr>
-            <p:ph type="sldImg"/>
-          </p:nvPr>
-        </p:nvSpPr>
-        <p:spPr/>
-      </p:sp>
-      <p:sp>
-        <p:nvSpPr>
-          <p:cNvPr id="3" name="Notes Placeholder 2"/>
-          <p:cNvSpPr>
-            <a:spLocks noGrp="1"/>
-          </p:cNvSpPr>
-          <p:nvPr>
-            <p:ph type="body" idx="1"/>
-          </p:nvPr>
-        </p:nvSpPr>
-        <p:spPr/>
-        <p:txBody>
-          <a:bodyPr/>
-          <a:lstStyle/>
-          <a:p>
-            <a:endParaRPr lang="en-GB" dirty="0"/>
-          </a:p>
-        </p:txBody>
-      </p:sp>
-      <p:sp>
-        <p:nvSpPr>
-          <p:cNvPr id="4" name="Slide Number Placeholder 3"/>
-          <p:cNvSpPr>
-            <a:spLocks noGrp="1"/>
-          </p:cNvSpPr>
-          <p:nvPr>
-            <p:ph type="sldNum" sz="quarter" idx="10"/>
-          </p:nvPr>
-        </p:nvSpPr>
-        <p:spPr/>
-        <p:txBody>
-          <a:bodyPr/>
-          <a:lstStyle/>
-          <a:p>
-            <a:fld id="{05C4898A-41A8-49D6-8E48-9D853EBFDD60}" type="slidenum">
-              <a:rPr lang="en-US" smtClean="0"/>
-              <a:pPr/>
-              <a:t>9</a:t>
             </a:fld>
             <a:endParaRPr lang="en-US"/>
           </a:p>
@@ -4994,7 +4908,7 @@
           <a:p>
             <a:fld id="{B4F4939B-B8E4-4846-BA65-70B7915F55E2}" type="datetimeFigureOut">
               <a:rPr lang="en-US" smtClean="0"/>
-              <a:t>1/7/19</a:t>
+              <a:t>11/20/19</a:t>
             </a:fld>
             <a:endParaRPr lang="en-US"/>
           </a:p>
@@ -7307,17 +7221,6 @@
           </a:p>
           <a:p>
             <a:r>
-              <a:rPr lang="en-US" sz="3200" b="1" i="1" kern="0">
-                <a:solidFill>
-                  <a:schemeClr val="accent6">
-                    <a:lumMod val="50000"/>
-                  </a:schemeClr>
-                </a:solidFill>
-                <a:latin typeface="IBM Plex Sans" panose="020B0503050203000203" pitchFamily="34" charset="77"/>
-              </a:rPr>
-              <a:t>Lab 2: </a:t>
-            </a:r>
-            <a:r>
               <a:rPr lang="en-US" sz="3200" b="1" i="1" kern="0" dirty="0">
                 <a:solidFill>
                   <a:schemeClr val="accent6">
@@ -7326,7 +7229,7 @@
                 </a:solidFill>
                 <a:latin typeface="IBM Plex Sans" panose="020B0503050203000203" pitchFamily="34" charset="77"/>
               </a:rPr>
-              <a:t>Chatbot Integrations</a:t>
+              <a:t>Lab 2: Chatbot Integrations</a:t>
             </a:r>
             <a:br>
               <a:rPr lang="en-US" sz="4000" b="1" kern="0" dirty="0">
@@ -7445,7 +7348,7 @@
         <p:spPr>
           <a:xfrm>
             <a:off x="296389" y="175664"/>
-            <a:ext cx="8526335" cy="590931"/>
+            <a:ext cx="8526335" cy="1089529"/>
           </a:xfrm>
           <a:prstGeom prst="rect">
             <a:avLst/>
@@ -7469,6 +7372,20 @@
               </a:rPr>
               <a:t>Objective</a:t>
             </a:r>
+          </a:p>
+          <a:p>
+            <a:pPr algn="ctr"/>
+            <a:r>
+              <a:rPr lang="en-US" sz="3600" b="1" i="1" kern="0" dirty="0">
+                <a:solidFill>
+                  <a:schemeClr val="accent6">
+                    <a:lumMod val="50000"/>
+                  </a:schemeClr>
+                </a:solidFill>
+                <a:latin typeface="IBM Plex Sans" panose="020B0503050203000203" pitchFamily="34" charset="77"/>
+              </a:rPr>
+              <a:t>Lab 2: Chatbot Integrations</a:t>
+            </a:r>
             <a:endParaRPr lang="en-US" sz="3600" dirty="0">
               <a:solidFill>
                 <a:schemeClr val="tx2"/>
@@ -7486,8 +7403,8 @@
         </p:nvSpPr>
         <p:spPr>
           <a:xfrm>
-            <a:off x="653404" y="1131664"/>
-            <a:ext cx="7860401" cy="2677656"/>
+            <a:off x="641799" y="1265193"/>
+            <a:ext cx="7860401" cy="2308324"/>
           </a:xfrm>
           <a:prstGeom prst="rect">
             <a:avLst/>
@@ -7598,28 +7515,6 @@
               <a:rPr lang="en-GB" sz="2400" dirty="0">
                 <a:latin typeface="IBM Plex Sans" panose="020B0503050203000203" pitchFamily="34" charset="77"/>
               </a:rPr>
-              <a:t>a third party chat service (Slack)</a:t>
-            </a:r>
-          </a:p>
-          <a:p>
-            <a:pPr marL="800100" lvl="1" indent="-342900" fontAlgn="auto">
-              <a:lnSpc>
-                <a:spcPct val="100000"/>
-              </a:lnSpc>
-              <a:spcBef>
-                <a:spcPts val="0"/>
-              </a:spcBef>
-              <a:spcAft>
-                <a:spcPts val="0"/>
-              </a:spcAft>
-              <a:buFont typeface="Arial" panose="020B0604020202020204" pitchFamily="34" charset="0"/>
-              <a:buChar char="•"/>
-              <a:defRPr/>
-            </a:pPr>
-            <a:r>
-              <a:rPr lang="en-GB" sz="2400" dirty="0">
-                <a:latin typeface="IBM Plex Sans" panose="020B0503050203000203" pitchFamily="34" charset="77"/>
-              </a:rPr>
               <a:t>a live, publicly available web-hosted version of your chatbot</a:t>
             </a:r>
             <a:endParaRPr lang="en-US" sz="2400" dirty="0">
@@ -7628,36 +7523,6 @@
           </a:p>
         </p:txBody>
       </p:sp>
-      <p:pic>
-        <p:nvPicPr>
-          <p:cNvPr id="5" name="Picture 4">
-            <a:extLst>
-              <a:ext uri="{FF2B5EF4-FFF2-40B4-BE49-F238E27FC236}">
-                <a16:creationId xmlns:a16="http://schemas.microsoft.com/office/drawing/2014/main" id="{8EF69FF0-432F-574A-9078-633A5C6725FB}"/>
-              </a:ext>
-            </a:extLst>
-          </p:cNvPr>
-          <p:cNvPicPr>
-            <a:picLocks noChangeAspect="1"/>
-          </p:cNvPicPr>
-          <p:nvPr/>
-        </p:nvPicPr>
-        <p:blipFill>
-          <a:blip r:embed="rId3"/>
-          <a:stretch>
-            <a:fillRect/>
-          </a:stretch>
-        </p:blipFill>
-        <p:spPr>
-          <a:xfrm>
-            <a:off x="6217288" y="3809320"/>
-            <a:ext cx="2063570" cy="590931"/>
-          </a:xfrm>
-          <a:prstGeom prst="rect">
-            <a:avLst/>
-          </a:prstGeom>
-        </p:spPr>
-      </p:pic>
     </p:spTree>
     <p:extLst>
       <p:ext uri="{BB962C8B-B14F-4D97-AF65-F5344CB8AC3E}">
@@ -7888,144 +7753,6 @@
 </file>
 
 <file path=ppt/slides/slide4.xml><?xml version="1.0" encoding="utf-8"?>
-<p:sld xmlns:a="http://schemas.openxmlformats.org/drawingml/2006/main" xmlns:r="http://schemas.openxmlformats.org/officeDocument/2006/relationships" xmlns:p="http://schemas.openxmlformats.org/presentationml/2006/main">
-  <p:cSld>
-    <p:spTree>
-      <p:nvGrpSpPr>
-        <p:cNvPr id="1" name=""/>
-        <p:cNvGrpSpPr/>
-        <p:nvPr/>
-      </p:nvGrpSpPr>
-      <p:grpSpPr>
-        <a:xfrm>
-          <a:off x="0" y="0"/>
-          <a:ext cx="0" cy="0"/>
-          <a:chOff x="0" y="0"/>
-          <a:chExt cx="0" cy="0"/>
-        </a:xfrm>
-      </p:grpSpPr>
-      <p:sp>
-        <p:nvSpPr>
-          <p:cNvPr id="37" name="Rectangle 36"/>
-          <p:cNvSpPr/>
-          <p:nvPr/>
-        </p:nvSpPr>
-        <p:spPr>
-          <a:xfrm>
-            <a:off x="308746" y="201935"/>
-            <a:ext cx="8526335" cy="590931"/>
-          </a:xfrm>
-          <a:prstGeom prst="rect">
-            <a:avLst/>
-          </a:prstGeom>
-        </p:spPr>
-        <p:txBody>
-          <a:bodyPr wrap="square">
-            <a:spAutoFit/>
-          </a:bodyPr>
-          <a:lstStyle/>
-          <a:p>
-            <a:pPr algn="r"/>
-            <a:r>
-              <a:rPr lang="en-US" sz="3600" b="1" dirty="0">
-                <a:solidFill>
-                  <a:schemeClr val="tx2"/>
-                </a:solidFill>
-                <a:latin typeface="IBM Plex Sans" panose="020B0503050203000203" pitchFamily="34" charset="77"/>
-                <a:ea typeface="Helvetica Neue" charset="0"/>
-                <a:cs typeface="Helvetica Neue" charset="0"/>
-              </a:rPr>
-              <a:t>Objective</a:t>
-            </a:r>
-            <a:endParaRPr lang="en-US" sz="3600" dirty="0">
-              <a:solidFill>
-                <a:schemeClr val="tx2"/>
-              </a:solidFill>
-              <a:latin typeface="IBM Plex Sans" panose="020B0503050203000203" pitchFamily="34" charset="77"/>
-            </a:endParaRPr>
-          </a:p>
-        </p:txBody>
-      </p:sp>
-      <p:pic>
-        <p:nvPicPr>
-          <p:cNvPr id="4" name="Picture 3" descr="A screenshot of a cell phone&#13;&#10;&#13;&#10;Description automatically generated">
-            <a:extLst>
-              <a:ext uri="{FF2B5EF4-FFF2-40B4-BE49-F238E27FC236}">
-                <a16:creationId xmlns:a16="http://schemas.microsoft.com/office/drawing/2014/main" id="{29339208-9085-3747-8969-AA717234B526}"/>
-              </a:ext>
-            </a:extLst>
-          </p:cNvPr>
-          <p:cNvPicPr>
-            <a:picLocks noChangeAspect="1"/>
-          </p:cNvPicPr>
-          <p:nvPr/>
-        </p:nvPicPr>
-        <p:blipFill>
-          <a:blip r:embed="rId3">
-            <a:extLst>
-              <a:ext uri="{28A0092B-C50C-407E-A947-70E740481C1C}">
-                <a14:useLocalDpi xmlns:a14="http://schemas.microsoft.com/office/drawing/2010/main" val="0"/>
-              </a:ext>
-            </a:extLst>
-          </a:blip>
-          <a:stretch>
-            <a:fillRect/>
-          </a:stretch>
-        </p:blipFill>
-        <p:spPr>
-          <a:xfrm>
-            <a:off x="0" y="0"/>
-            <a:ext cx="6588392" cy="5143500"/>
-          </a:xfrm>
-          <a:prstGeom prst="rect">
-            <a:avLst/>
-          </a:prstGeom>
-        </p:spPr>
-      </p:pic>
-      <p:pic>
-        <p:nvPicPr>
-          <p:cNvPr id="5" name="Picture 4">
-            <a:extLst>
-              <a:ext uri="{FF2B5EF4-FFF2-40B4-BE49-F238E27FC236}">
-                <a16:creationId xmlns:a16="http://schemas.microsoft.com/office/drawing/2014/main" id="{367221FB-8760-E34E-82DF-821D5BDA2341}"/>
-              </a:ext>
-            </a:extLst>
-          </p:cNvPr>
-          <p:cNvPicPr>
-            <a:picLocks noChangeAspect="1"/>
-          </p:cNvPicPr>
-          <p:nvPr/>
-        </p:nvPicPr>
-        <p:blipFill>
-          <a:blip r:embed="rId4"/>
-          <a:stretch>
-            <a:fillRect/>
-          </a:stretch>
-        </p:blipFill>
-        <p:spPr>
-          <a:xfrm>
-            <a:off x="7123992" y="2356279"/>
-            <a:ext cx="1504878" cy="430942"/>
-          </a:xfrm>
-          <a:prstGeom prst="rect">
-            <a:avLst/>
-          </a:prstGeom>
-        </p:spPr>
-      </p:pic>
-    </p:spTree>
-    <p:extLst>
-      <p:ext uri="{BB962C8B-B14F-4D97-AF65-F5344CB8AC3E}">
-        <p14:creationId xmlns:p14="http://schemas.microsoft.com/office/powerpoint/2010/main" val="635927257"/>
-      </p:ext>
-    </p:extLst>
-  </p:cSld>
-  <p:clrMapOvr>
-    <a:masterClrMapping/>
-  </p:clrMapOvr>
-</p:sld>
-</file>
-
-<file path=ppt/slides/slide5.xml><?xml version="1.0" encoding="utf-8"?>
 <p:sld xmlns:a="http://schemas.openxmlformats.org/drawingml/2006/main" xmlns:r="http://schemas.openxmlformats.org/officeDocument/2006/relationships" xmlns:p="http://schemas.openxmlformats.org/presentationml/2006/main">
   <p:cSld>
     <p:spTree>
@@ -8091,7 +7818,7 @@
 </p:sld>
 </file>
 
-<file path=ppt/slides/slide6.xml><?xml version="1.0" encoding="utf-8"?>
+<file path=ppt/slides/slide5.xml><?xml version="1.0" encoding="utf-8"?>
 <p:sld xmlns:a="http://schemas.openxmlformats.org/drawingml/2006/main" xmlns:r="http://schemas.openxmlformats.org/officeDocument/2006/relationships" xmlns:p="http://schemas.openxmlformats.org/presentationml/2006/main">
   <p:cSld>
     <p:spTree>
@@ -8165,7 +7892,7 @@
         <p:spPr>
           <a:xfrm>
             <a:off x="747163" y="953505"/>
-            <a:ext cx="7649673" cy="3539430"/>
+            <a:ext cx="7649673" cy="2677656"/>
           </a:xfrm>
           <a:prstGeom prst="rect">
             <a:avLst/>
@@ -8271,6 +7998,25 @@
             </a:r>
           </a:p>
           <a:p>
+            <a:pPr defTabSz="914400" eaLnBrk="1" fontAlgn="auto" hangingPunct="1">
+              <a:lnSpc>
+                <a:spcPct val="100000"/>
+              </a:lnSpc>
+              <a:spcBef>
+                <a:spcPts val="0"/>
+              </a:spcBef>
+              <a:spcAft>
+                <a:spcPts val="0"/>
+              </a:spcAft>
+              <a:buClrTx/>
+              <a:buSzTx/>
+              <a:defRPr/>
+            </a:pPr>
+            <a:endParaRPr lang="en-GB" sz="2800" dirty="0">
+              <a:latin typeface="IBM Plex Sans" panose="020B0503050203000203" pitchFamily="34" charset="77"/>
+            </a:endParaRPr>
+          </a:p>
+          <a:p>
             <a:pPr marL="342900" indent="-342900" defTabSz="914400" eaLnBrk="1" fontAlgn="auto" hangingPunct="1">
               <a:lnSpc>
                 <a:spcPct val="100000"/>
@@ -8287,84 +8033,6 @@
               <a:buChar char="•"/>
               <a:defRPr/>
             </a:pPr>
-            <a:endParaRPr lang="en-GB" sz="2800" dirty="0">
-              <a:latin typeface="IBM Plex Sans" panose="020B0503050203000203" pitchFamily="34" charset="77"/>
-            </a:endParaRPr>
-          </a:p>
-          <a:p>
-            <a:pPr marL="342900" indent="-342900" defTabSz="914400" eaLnBrk="1" fontAlgn="auto" hangingPunct="1">
-              <a:lnSpc>
-                <a:spcPct val="100000"/>
-              </a:lnSpc>
-              <a:spcBef>
-                <a:spcPts val="0"/>
-              </a:spcBef>
-              <a:spcAft>
-                <a:spcPts val="0"/>
-              </a:spcAft>
-              <a:buClrTx/>
-              <a:buSzTx/>
-              <a:buFont typeface="Arial" panose="020B0604020202020204" pitchFamily="34" charset="0"/>
-              <a:buChar char="•"/>
-              <a:defRPr/>
-            </a:pPr>
-            <a:r>
-              <a:rPr lang="en-GB" sz="2800" dirty="0">
-                <a:latin typeface="IBM Plex Sans" panose="020B0503050203000203" pitchFamily="34" charset="77"/>
-              </a:rPr>
-              <a:t>Build a </a:t>
-            </a:r>
-            <a:r>
-              <a:rPr lang="en-GB" sz="2800" b="1" dirty="0">
-                <a:latin typeface="IBM Plex Sans" panose="020B0503050203000203" pitchFamily="34" charset="77"/>
-              </a:rPr>
-              <a:t>Slack</a:t>
-            </a:r>
-            <a:r>
-              <a:rPr lang="en-GB" sz="2800" dirty="0">
-                <a:latin typeface="IBM Plex Sans" panose="020B0503050203000203" pitchFamily="34" charset="77"/>
-              </a:rPr>
-              <a:t> bot</a:t>
-            </a:r>
-          </a:p>
-          <a:p>
-            <a:pPr marL="342900" indent="-342900" defTabSz="914400" eaLnBrk="1" fontAlgn="auto" hangingPunct="1">
-              <a:lnSpc>
-                <a:spcPct val="100000"/>
-              </a:lnSpc>
-              <a:spcBef>
-                <a:spcPts val="0"/>
-              </a:spcBef>
-              <a:spcAft>
-                <a:spcPts val="0"/>
-              </a:spcAft>
-              <a:buClrTx/>
-              <a:buSzTx/>
-              <a:buFont typeface="Arial" panose="020B0604020202020204" pitchFamily="34" charset="0"/>
-              <a:buChar char="•"/>
-              <a:defRPr/>
-            </a:pPr>
-            <a:endParaRPr lang="en-GB" sz="2800" dirty="0">
-              <a:latin typeface="IBM Plex Sans" panose="020B0503050203000203" pitchFamily="34" charset="77"/>
-            </a:endParaRPr>
-          </a:p>
-          <a:p>
-            <a:pPr marL="342900" indent="-342900" defTabSz="914400" eaLnBrk="1" fontAlgn="auto" hangingPunct="1">
-              <a:lnSpc>
-                <a:spcPct val="100000"/>
-              </a:lnSpc>
-              <a:spcBef>
-                <a:spcPts val="0"/>
-              </a:spcBef>
-              <a:spcAft>
-                <a:spcPts val="0"/>
-              </a:spcAft>
-              <a:buClrTx/>
-              <a:buSzTx/>
-              <a:buFont typeface="Arial" panose="020B0604020202020204" pitchFamily="34" charset="0"/>
-              <a:buChar char="•"/>
-              <a:defRPr/>
-            </a:pPr>
             <a:r>
               <a:rPr lang="en-GB" sz="2800" dirty="0">
                 <a:latin typeface="IBM Plex Sans" panose="020B0503050203000203" pitchFamily="34" charset="77"/>
@@ -8396,7 +8064,7 @@
 </p:sld>
 </file>
 
-<file path=ppt/slides/slide7.xml><?xml version="1.0" encoding="utf-8"?>
+<file path=ppt/slides/slide6.xml><?xml version="1.0" encoding="utf-8"?>
 <p:sld xmlns:a="http://schemas.openxmlformats.org/drawingml/2006/main" xmlns:r="http://schemas.openxmlformats.org/officeDocument/2006/relationships" xmlns:p="http://schemas.openxmlformats.org/presentationml/2006/main">
   <p:cSld>
     <p:spTree>
@@ -8657,7 +8325,7 @@
 </p:sld>
 </file>
 
-<file path=ppt/slides/slide8.xml><?xml version="1.0" encoding="utf-8"?>
+<file path=ppt/slides/slide7.xml><?xml version="1.0" encoding="utf-8"?>
 <p:sld xmlns:a="http://schemas.openxmlformats.org/drawingml/2006/main" xmlns:r="http://schemas.openxmlformats.org/officeDocument/2006/relationships" xmlns:p="http://schemas.openxmlformats.org/presentationml/2006/main">
   <p:cSld>
     <p:spTree>
@@ -8730,7 +8398,7 @@
         <p:spPr>
           <a:xfrm>
             <a:off x="296389" y="1114569"/>
-            <a:ext cx="4312681" cy="3970318"/>
+            <a:ext cx="4312681" cy="3600986"/>
           </a:xfrm>
           <a:prstGeom prst="rect">
             <a:avLst/>
@@ -8909,36 +8577,36 @@
                 <a:latin typeface="IBM Plex Sans" panose="020B0503050203000203" pitchFamily="34" charset="77"/>
                 <a:hlinkClick r:id="rId3"/>
               </a:rPr>
-              <a:t>https://github.com/garyrwilson/Watson-Assistant-Labs/</a:t>
+              <a:t>https://</a:t>
+            </a:r>
+            <a:r>
+              <a:rPr lang="en-US" dirty="0" err="1">
+                <a:latin typeface="IBM Plex Sans" panose="020B0503050203000203" pitchFamily="34" charset="77"/>
+                <a:hlinkClick r:id="rId3"/>
+              </a:rPr>
+              <a:t>github.com</a:t>
             </a:r>
             <a:r>
               <a:rPr lang="en-US" dirty="0">
                 <a:latin typeface="IBM Plex Sans" panose="020B0503050203000203" pitchFamily="34" charset="77"/>
-                <a:hlinkClick r:id="rId4"/>
+                <a:hlinkClick r:id="rId3"/>
               </a:rPr>
-              <a:t>2-Integrations</a:t>
-            </a:r>
-            <a:endParaRPr lang="en-US" dirty="0">
-              <a:latin typeface="IBM Plex Sans" panose="020B0503050203000203" pitchFamily="34" charset="77"/>
-            </a:endParaRPr>
-          </a:p>
-          <a:p>
-            <a:pPr marL="342900" indent="-342900" defTabSz="914400" eaLnBrk="1" fontAlgn="auto" hangingPunct="1">
-              <a:lnSpc>
-                <a:spcPct val="100000"/>
-              </a:lnSpc>
-              <a:spcBef>
-                <a:spcPts val="0"/>
-              </a:spcBef>
-              <a:spcAft>
-                <a:spcPts val="0"/>
-              </a:spcAft>
-              <a:buClrTx/>
-              <a:buSzTx/>
-              <a:buFont typeface="Arial" panose="020B0604020202020204" pitchFamily="34" charset="0"/>
-              <a:buChar char="•"/>
-              <a:defRPr/>
-            </a:pPr>
+              <a:t>/</a:t>
+            </a:r>
+            <a:r>
+              <a:rPr lang="en-US" dirty="0" err="1">
+                <a:latin typeface="IBM Plex Sans" panose="020B0503050203000203" pitchFamily="34" charset="77"/>
+                <a:hlinkClick r:id="rId3"/>
+              </a:rPr>
+              <a:t>jenni-hautojarvi</a:t>
+            </a:r>
+            <a:r>
+              <a:rPr lang="en-US" dirty="0">
+                <a:latin typeface="IBM Plex Sans" panose="020B0503050203000203" pitchFamily="34" charset="77"/>
+                <a:hlinkClick r:id="rId3"/>
+              </a:rPr>
+              <a:t>/Watson-Assistant-Labs/tree/master/2-Integrations</a:t>
+            </a:r>
             <a:endParaRPr lang="en-US" sz="2400" dirty="0">
               <a:latin typeface="IBM Plex Sans" panose="020B0503050203000203" pitchFamily="34" charset="77"/>
             </a:endParaRPr>
@@ -8960,7 +8628,7 @@
           <p:nvPr/>
         </p:nvPicPr>
         <p:blipFill>
-          <a:blip r:embed="rId5">
+          <a:blip r:embed="rId4">
             <a:extLst>
               <a:ext uri="{28A0092B-C50C-407E-A947-70E740481C1C}">
                 <a14:useLocalDpi xmlns:a14="http://schemas.microsoft.com/office/drawing/2010/main" val="0"/>
@@ -8994,7 +8662,7 @@
 </p:sld>
 </file>
 
-<file path=ppt/slides/slide9.xml><?xml version="1.0" encoding="utf-8"?>
+<file path=ppt/slides/slide8.xml><?xml version="1.0" encoding="utf-8"?>
 <p:sld xmlns:a="http://schemas.openxmlformats.org/drawingml/2006/main" xmlns:r="http://schemas.openxmlformats.org/officeDocument/2006/relationships" xmlns:p="http://schemas.openxmlformats.org/presentationml/2006/main">
   <p:cSld>
     <p:spTree>
